--- a/Mode Choice in R/Mode-Choice-in-R-mnlEstimation.pptx
+++ b/Mode Choice in R/Mode-Choice-in-R-mnlEstimation.pptx
@@ -295,7 +295,7 @@
               <a:pPr>
                 <a:defRPr/>
               </a:pPr>
-              <a:t>30/12/2018</a:t>
+              <a:t>22/11/2019</a:t>
             </a:fld>
             <a:endParaRPr lang="en-GB" dirty="0"/>
           </a:p>
@@ -514,7 +514,7 @@
               <a:pPr>
                 <a:defRPr/>
               </a:pPr>
-              <a:t>30/12/2018</a:t>
+              <a:t>22/11/2019</a:t>
             </a:fld>
             <a:endParaRPr lang="en-GB"/>
           </a:p>
@@ -9155,7 +9155,7 @@
                 <a:hlinkClick r:id="rId3">
                   <a:extLst>
                     <a:ext uri="{A12FA001-AC4F-418D-AE19-62706E023703}">
-                      <ahyp:hlinkClr xmlns="" xmlns:ahyp="http://schemas.microsoft.com/office/drawing/2018/hyperlinkcolor" val="tx"/>
+                      <ahyp:hlinkClr xmlns:ahyp="http://schemas.microsoft.com/office/drawing/2018/hyperlinkcolor" xmlns="" val="tx"/>
                     </a:ext>
                   </a:extLst>
                 </a:hlinkClick>
@@ -9219,7 +9219,7 @@
           <a:p>
             <a:r>
               <a:rPr lang="en-GB" dirty="0" smtClean="0"/>
-              <a:t>07 January 2019</a:t>
+              <a:t>02 December 2019</a:t>
             </a:r>
             <a:endParaRPr lang="en-US" dirty="0"/>
           </a:p>
@@ -13820,7 +13820,7 @@
                 <a:hlinkClick r:id="rId2">
                   <a:extLst>
                     <a:ext uri="{A12FA001-AC4F-418D-AE19-62706E023703}">
-                      <ahyp:hlinkClr xmlns:ahyp="http://schemas.microsoft.com/office/drawing/2018/hyperlinkcolor" xmlns="" val="tx"/>
+                      <ahyp:hlinkClr xmlns="" xmlns:ahyp="http://schemas.microsoft.com/office/drawing/2018/hyperlinkcolor" val="tx"/>
                     </a:ext>
                   </a:extLst>
                 </a:hlinkClick>
